--- a/ppt 16-9/1603.成为我异象.pptx
+++ b/ppt 16-9/1603.成为我异象.pptx
@@ -5,7 +5,7 @@
     <p:sldMasterId id="2147483648" r:id="rId1"/>
   </p:sldMasterIdLst>
   <p:sldIdLst>
-    <p:sldId id="3463" r:id="rId2"/>
+    <p:sldId id="3464" r:id="rId2"/>
   </p:sldIdLst>
   <p:sldSz cx="12192000" cy="6858000"/>
   <p:notesSz cx="6858000" cy="9144000"/>
@@ -129,7 +129,7 @@
           <p:cNvPr id="2" name="标题 1">
             <a:extLst>
               <a:ext uri="{FF2B5EF4-FFF2-40B4-BE49-F238E27FC236}">
-                <a16:creationId xmlns:a16="http://schemas.microsoft.com/office/drawing/2014/main" id="{9CD3B7A9-DAD3-1625-FC6E-20AAA5B10A94}"/>
+                <a16:creationId xmlns:a16="http://schemas.microsoft.com/office/drawing/2014/main" id="{37F399C2-9031-F2C7-FB50-37A82B07D1F0}"/>
               </a:ext>
             </a:extLst>
           </p:cNvPr>
@@ -166,7 +166,7 @@
           <p:cNvPr id="3" name="副标题 2">
             <a:extLst>
               <a:ext uri="{FF2B5EF4-FFF2-40B4-BE49-F238E27FC236}">
-                <a16:creationId xmlns:a16="http://schemas.microsoft.com/office/drawing/2014/main" id="{3FB31FDF-1D95-9926-55CE-C36864BEFACD}"/>
+                <a16:creationId xmlns:a16="http://schemas.microsoft.com/office/drawing/2014/main" id="{C9A4FFEF-4324-54BE-D8BA-089A6177F297}"/>
               </a:ext>
             </a:extLst>
           </p:cNvPr>
@@ -236,7 +236,7 @@
           <p:cNvPr id="4" name="日期占位符 3">
             <a:extLst>
               <a:ext uri="{FF2B5EF4-FFF2-40B4-BE49-F238E27FC236}">
-                <a16:creationId xmlns:a16="http://schemas.microsoft.com/office/drawing/2014/main" id="{35C6116A-A87C-EDAC-05C7-296463458ED0}"/>
+                <a16:creationId xmlns:a16="http://schemas.microsoft.com/office/drawing/2014/main" id="{1AAFADCE-7107-B71D-9E48-CE4A2C6CA26C}"/>
               </a:ext>
             </a:extLst>
           </p:cNvPr>
@@ -252,7 +252,7 @@
           <a:bodyPr/>
           <a:lstStyle/>
           <a:p>
-            <a:fld id="{8CCFCD94-F7C1-4245-A357-A8161231CC61}" type="datetimeFigureOut">
+            <a:fld id="{0C624A17-B0C1-4F2D-9723-AF5E869C3E38}" type="datetimeFigureOut">
               <a:rPr lang="zh-CN" altLang="en-US" smtClean="0"/>
               <a:t>2024/3/10</a:t>
             </a:fld>
@@ -265,7 +265,7 @@
           <p:cNvPr id="5" name="页脚占位符 4">
             <a:extLst>
               <a:ext uri="{FF2B5EF4-FFF2-40B4-BE49-F238E27FC236}">
-                <a16:creationId xmlns:a16="http://schemas.microsoft.com/office/drawing/2014/main" id="{93E3E5B8-9A82-CCDE-FFD4-D3EED113881A}"/>
+                <a16:creationId xmlns:a16="http://schemas.microsoft.com/office/drawing/2014/main" id="{103E44F2-7494-0FBA-783E-32E7EC3DC04D}"/>
               </a:ext>
             </a:extLst>
           </p:cNvPr>
@@ -290,7 +290,7 @@
           <p:cNvPr id="6" name="灯片编号占位符 5">
             <a:extLst>
               <a:ext uri="{FF2B5EF4-FFF2-40B4-BE49-F238E27FC236}">
-                <a16:creationId xmlns:a16="http://schemas.microsoft.com/office/drawing/2014/main" id="{0B0BFE5F-92CD-53AD-2031-11A253A05AF2}"/>
+                <a16:creationId xmlns:a16="http://schemas.microsoft.com/office/drawing/2014/main" id="{CFC19CEE-6BF6-EAFF-06D1-B8B59BFA1FB3}"/>
               </a:ext>
             </a:extLst>
           </p:cNvPr>
@@ -306,7 +306,7 @@
           <a:bodyPr/>
           <a:lstStyle/>
           <a:p>
-            <a:fld id="{E5D7707D-D692-4BFC-BCF2-BF1F50179DE2}" type="slidenum">
+            <a:fld id="{F9A77532-140B-4567-B7F5-7362DF523FD5}" type="slidenum">
               <a:rPr lang="zh-CN" altLang="en-US" smtClean="0"/>
               <a:t>‹#›</a:t>
             </a:fld>
@@ -317,7 +317,7 @@
     </p:spTree>
     <p:extLst>
       <p:ext uri="{BB962C8B-B14F-4D97-AF65-F5344CB8AC3E}">
-        <p14:creationId xmlns:p14="http://schemas.microsoft.com/office/powerpoint/2010/main" val="1300518153"/>
+        <p14:creationId xmlns:p14="http://schemas.microsoft.com/office/powerpoint/2010/main" val="1577745753"/>
       </p:ext>
     </p:extLst>
   </p:cSld>
@@ -349,7 +349,7 @@
           <p:cNvPr id="2" name="标题 1">
             <a:extLst>
               <a:ext uri="{FF2B5EF4-FFF2-40B4-BE49-F238E27FC236}">
-                <a16:creationId xmlns:a16="http://schemas.microsoft.com/office/drawing/2014/main" id="{E7153BDC-4B9C-C461-4FF8-159125580886}"/>
+                <a16:creationId xmlns:a16="http://schemas.microsoft.com/office/drawing/2014/main" id="{323629CF-33D7-CE09-831D-7D94CF9A31EC}"/>
               </a:ext>
             </a:extLst>
           </p:cNvPr>
@@ -377,7 +377,7 @@
           <p:cNvPr id="3" name="竖排文字占位符 2">
             <a:extLst>
               <a:ext uri="{FF2B5EF4-FFF2-40B4-BE49-F238E27FC236}">
-                <a16:creationId xmlns:a16="http://schemas.microsoft.com/office/drawing/2014/main" id="{DC6FDBD6-BE95-5474-D2C9-39D49BFAC8CA}"/>
+                <a16:creationId xmlns:a16="http://schemas.microsoft.com/office/drawing/2014/main" id="{1093DD2D-9E94-155F-DE63-354BD68678CE}"/>
               </a:ext>
             </a:extLst>
           </p:cNvPr>
@@ -434,7 +434,7 @@
           <p:cNvPr id="4" name="日期占位符 3">
             <a:extLst>
               <a:ext uri="{FF2B5EF4-FFF2-40B4-BE49-F238E27FC236}">
-                <a16:creationId xmlns:a16="http://schemas.microsoft.com/office/drawing/2014/main" id="{7CD93FB8-D4C3-17AD-9AB2-B18E9F06ACB4}"/>
+                <a16:creationId xmlns:a16="http://schemas.microsoft.com/office/drawing/2014/main" id="{B97F7222-BD2D-BF6E-53A9-CBBC5D66A467}"/>
               </a:ext>
             </a:extLst>
           </p:cNvPr>
@@ -450,7 +450,7 @@
           <a:bodyPr/>
           <a:lstStyle/>
           <a:p>
-            <a:fld id="{8CCFCD94-F7C1-4245-A357-A8161231CC61}" type="datetimeFigureOut">
+            <a:fld id="{0C624A17-B0C1-4F2D-9723-AF5E869C3E38}" type="datetimeFigureOut">
               <a:rPr lang="zh-CN" altLang="en-US" smtClean="0"/>
               <a:t>2024/3/10</a:t>
             </a:fld>
@@ -463,7 +463,7 @@
           <p:cNvPr id="5" name="页脚占位符 4">
             <a:extLst>
               <a:ext uri="{FF2B5EF4-FFF2-40B4-BE49-F238E27FC236}">
-                <a16:creationId xmlns:a16="http://schemas.microsoft.com/office/drawing/2014/main" id="{03ABC57C-3B62-F5C6-5012-2B29CEDB709E}"/>
+                <a16:creationId xmlns:a16="http://schemas.microsoft.com/office/drawing/2014/main" id="{46CD5A2A-9C66-7877-435F-5F48CB6E2C2E}"/>
               </a:ext>
             </a:extLst>
           </p:cNvPr>
@@ -488,7 +488,7 @@
           <p:cNvPr id="6" name="灯片编号占位符 5">
             <a:extLst>
               <a:ext uri="{FF2B5EF4-FFF2-40B4-BE49-F238E27FC236}">
-                <a16:creationId xmlns:a16="http://schemas.microsoft.com/office/drawing/2014/main" id="{942CF0A0-B5A3-269D-5DB2-7A8F2BE2D720}"/>
+                <a16:creationId xmlns:a16="http://schemas.microsoft.com/office/drawing/2014/main" id="{F78A1CBA-3340-01D7-C46B-2ABBBF024903}"/>
               </a:ext>
             </a:extLst>
           </p:cNvPr>
@@ -504,7 +504,7 @@
           <a:bodyPr/>
           <a:lstStyle/>
           <a:p>
-            <a:fld id="{E5D7707D-D692-4BFC-BCF2-BF1F50179DE2}" type="slidenum">
+            <a:fld id="{F9A77532-140B-4567-B7F5-7362DF523FD5}" type="slidenum">
               <a:rPr lang="zh-CN" altLang="en-US" smtClean="0"/>
               <a:t>‹#›</a:t>
             </a:fld>
@@ -515,7 +515,7 @@
     </p:spTree>
     <p:extLst>
       <p:ext uri="{BB962C8B-B14F-4D97-AF65-F5344CB8AC3E}">
-        <p14:creationId xmlns:p14="http://schemas.microsoft.com/office/powerpoint/2010/main" val="2727423264"/>
+        <p14:creationId xmlns:p14="http://schemas.microsoft.com/office/powerpoint/2010/main" val="2015856047"/>
       </p:ext>
     </p:extLst>
   </p:cSld>
@@ -547,7 +547,7 @@
           <p:cNvPr id="2" name="竖排标题 1">
             <a:extLst>
               <a:ext uri="{FF2B5EF4-FFF2-40B4-BE49-F238E27FC236}">
-                <a16:creationId xmlns:a16="http://schemas.microsoft.com/office/drawing/2014/main" id="{CD2A2EC4-9CC3-6BEE-73DC-52300BC90F96}"/>
+                <a16:creationId xmlns:a16="http://schemas.microsoft.com/office/drawing/2014/main" id="{388600F6-5AB3-D52F-566D-69CC616F17D0}"/>
               </a:ext>
             </a:extLst>
           </p:cNvPr>
@@ -580,7 +580,7 @@
           <p:cNvPr id="3" name="竖排文字占位符 2">
             <a:extLst>
               <a:ext uri="{FF2B5EF4-FFF2-40B4-BE49-F238E27FC236}">
-                <a16:creationId xmlns:a16="http://schemas.microsoft.com/office/drawing/2014/main" id="{79D8986F-47BE-5964-2D0C-B3AAB03C6FA4}"/>
+                <a16:creationId xmlns:a16="http://schemas.microsoft.com/office/drawing/2014/main" id="{057402FA-C68E-055C-E268-C38D0FB3080B}"/>
               </a:ext>
             </a:extLst>
           </p:cNvPr>
@@ -642,7 +642,7 @@
           <p:cNvPr id="4" name="日期占位符 3">
             <a:extLst>
               <a:ext uri="{FF2B5EF4-FFF2-40B4-BE49-F238E27FC236}">
-                <a16:creationId xmlns:a16="http://schemas.microsoft.com/office/drawing/2014/main" id="{7BF1E8A4-633D-DE3D-24F8-48FAE3E9B18E}"/>
+                <a16:creationId xmlns:a16="http://schemas.microsoft.com/office/drawing/2014/main" id="{8D1DD4C3-27B8-2071-A2A7-61D3DC2782FD}"/>
               </a:ext>
             </a:extLst>
           </p:cNvPr>
@@ -658,7 +658,7 @@
           <a:bodyPr/>
           <a:lstStyle/>
           <a:p>
-            <a:fld id="{8CCFCD94-F7C1-4245-A357-A8161231CC61}" type="datetimeFigureOut">
+            <a:fld id="{0C624A17-B0C1-4F2D-9723-AF5E869C3E38}" type="datetimeFigureOut">
               <a:rPr lang="zh-CN" altLang="en-US" smtClean="0"/>
               <a:t>2024/3/10</a:t>
             </a:fld>
@@ -671,7 +671,7 @@
           <p:cNvPr id="5" name="页脚占位符 4">
             <a:extLst>
               <a:ext uri="{FF2B5EF4-FFF2-40B4-BE49-F238E27FC236}">
-                <a16:creationId xmlns:a16="http://schemas.microsoft.com/office/drawing/2014/main" id="{9E7CBE2C-23E2-0288-F371-EEB16CF96F7D}"/>
+                <a16:creationId xmlns:a16="http://schemas.microsoft.com/office/drawing/2014/main" id="{8C70D663-A9C9-881C-6E8B-6A87BF10B854}"/>
               </a:ext>
             </a:extLst>
           </p:cNvPr>
@@ -696,7 +696,7 @@
           <p:cNvPr id="6" name="灯片编号占位符 5">
             <a:extLst>
               <a:ext uri="{FF2B5EF4-FFF2-40B4-BE49-F238E27FC236}">
-                <a16:creationId xmlns:a16="http://schemas.microsoft.com/office/drawing/2014/main" id="{0F40BE51-9C81-A9D9-9E97-F12CFEE7C048}"/>
+                <a16:creationId xmlns:a16="http://schemas.microsoft.com/office/drawing/2014/main" id="{213AF2EE-ED37-749A-2488-EBBD9E645AC5}"/>
               </a:ext>
             </a:extLst>
           </p:cNvPr>
@@ -712,7 +712,7 @@
           <a:bodyPr/>
           <a:lstStyle/>
           <a:p>
-            <a:fld id="{E5D7707D-D692-4BFC-BCF2-BF1F50179DE2}" type="slidenum">
+            <a:fld id="{F9A77532-140B-4567-B7F5-7362DF523FD5}" type="slidenum">
               <a:rPr lang="zh-CN" altLang="en-US" smtClean="0"/>
               <a:t>‹#›</a:t>
             </a:fld>
@@ -723,7 +723,7 @@
     </p:spTree>
     <p:extLst>
       <p:ext uri="{BB962C8B-B14F-4D97-AF65-F5344CB8AC3E}">
-        <p14:creationId xmlns:p14="http://schemas.microsoft.com/office/powerpoint/2010/main" val="2726534672"/>
+        <p14:creationId xmlns:p14="http://schemas.microsoft.com/office/powerpoint/2010/main" val="3678022440"/>
       </p:ext>
     </p:extLst>
   </p:cSld>
@@ -755,7 +755,7 @@
           <p:cNvPr id="2" name="标题 1">
             <a:extLst>
               <a:ext uri="{FF2B5EF4-FFF2-40B4-BE49-F238E27FC236}">
-                <a16:creationId xmlns:a16="http://schemas.microsoft.com/office/drawing/2014/main" id="{95D364A0-646F-E7EA-646F-7A7FFDAD5B9E}"/>
+                <a16:creationId xmlns:a16="http://schemas.microsoft.com/office/drawing/2014/main" id="{0B6E3E00-C751-8C78-936D-6BF2D390246F}"/>
               </a:ext>
             </a:extLst>
           </p:cNvPr>
@@ -783,7 +783,7 @@
           <p:cNvPr id="3" name="内容占位符 2">
             <a:extLst>
               <a:ext uri="{FF2B5EF4-FFF2-40B4-BE49-F238E27FC236}">
-                <a16:creationId xmlns:a16="http://schemas.microsoft.com/office/drawing/2014/main" id="{E67C319B-F43B-08E0-4C30-16B0A1F986DD}"/>
+                <a16:creationId xmlns:a16="http://schemas.microsoft.com/office/drawing/2014/main" id="{E3098F66-5306-677F-F29A-911EE484FF69}"/>
               </a:ext>
             </a:extLst>
           </p:cNvPr>
@@ -840,7 +840,7 @@
           <p:cNvPr id="4" name="日期占位符 3">
             <a:extLst>
               <a:ext uri="{FF2B5EF4-FFF2-40B4-BE49-F238E27FC236}">
-                <a16:creationId xmlns:a16="http://schemas.microsoft.com/office/drawing/2014/main" id="{60E339D9-77BF-4EE3-B8F7-48F583BC2275}"/>
+                <a16:creationId xmlns:a16="http://schemas.microsoft.com/office/drawing/2014/main" id="{163CA81B-5383-B68A-B195-EC1DF3837CF9}"/>
               </a:ext>
             </a:extLst>
           </p:cNvPr>
@@ -856,7 +856,7 @@
           <a:bodyPr/>
           <a:lstStyle/>
           <a:p>
-            <a:fld id="{8CCFCD94-F7C1-4245-A357-A8161231CC61}" type="datetimeFigureOut">
+            <a:fld id="{0C624A17-B0C1-4F2D-9723-AF5E869C3E38}" type="datetimeFigureOut">
               <a:rPr lang="zh-CN" altLang="en-US" smtClean="0"/>
               <a:t>2024/3/10</a:t>
             </a:fld>
@@ -869,7 +869,7 @@
           <p:cNvPr id="5" name="页脚占位符 4">
             <a:extLst>
               <a:ext uri="{FF2B5EF4-FFF2-40B4-BE49-F238E27FC236}">
-                <a16:creationId xmlns:a16="http://schemas.microsoft.com/office/drawing/2014/main" id="{F688464A-B2AD-B14D-C8AD-51BD96A07B35}"/>
+                <a16:creationId xmlns:a16="http://schemas.microsoft.com/office/drawing/2014/main" id="{D82B97CD-FF9C-D186-40A8-E6E4D1613CAB}"/>
               </a:ext>
             </a:extLst>
           </p:cNvPr>
@@ -894,7 +894,7 @@
           <p:cNvPr id="6" name="灯片编号占位符 5">
             <a:extLst>
               <a:ext uri="{FF2B5EF4-FFF2-40B4-BE49-F238E27FC236}">
-                <a16:creationId xmlns:a16="http://schemas.microsoft.com/office/drawing/2014/main" id="{148B371A-2921-82AF-DD33-851D54B1AE1D}"/>
+                <a16:creationId xmlns:a16="http://schemas.microsoft.com/office/drawing/2014/main" id="{D3FDE46B-B5E4-94E5-DD6C-6526403AC654}"/>
               </a:ext>
             </a:extLst>
           </p:cNvPr>
@@ -910,7 +910,7 @@
           <a:bodyPr/>
           <a:lstStyle/>
           <a:p>
-            <a:fld id="{E5D7707D-D692-4BFC-BCF2-BF1F50179DE2}" type="slidenum">
+            <a:fld id="{F9A77532-140B-4567-B7F5-7362DF523FD5}" type="slidenum">
               <a:rPr lang="zh-CN" altLang="en-US" smtClean="0"/>
               <a:t>‹#›</a:t>
             </a:fld>
@@ -921,7 +921,7 @@
     </p:spTree>
     <p:extLst>
       <p:ext uri="{BB962C8B-B14F-4D97-AF65-F5344CB8AC3E}">
-        <p14:creationId xmlns:p14="http://schemas.microsoft.com/office/powerpoint/2010/main" val="1795268289"/>
+        <p14:creationId xmlns:p14="http://schemas.microsoft.com/office/powerpoint/2010/main" val="2229473220"/>
       </p:ext>
     </p:extLst>
   </p:cSld>
@@ -953,7 +953,7 @@
           <p:cNvPr id="2" name="标题 1">
             <a:extLst>
               <a:ext uri="{FF2B5EF4-FFF2-40B4-BE49-F238E27FC236}">
-                <a16:creationId xmlns:a16="http://schemas.microsoft.com/office/drawing/2014/main" id="{3524E067-BC8E-A91C-146F-83B61A51C37C}"/>
+                <a16:creationId xmlns:a16="http://schemas.microsoft.com/office/drawing/2014/main" id="{ADD226D2-857B-A630-2A0C-641DAA97E2C3}"/>
               </a:ext>
             </a:extLst>
           </p:cNvPr>
@@ -990,7 +990,7 @@
           <p:cNvPr id="3" name="文本占位符 2">
             <a:extLst>
               <a:ext uri="{FF2B5EF4-FFF2-40B4-BE49-F238E27FC236}">
-                <a16:creationId xmlns:a16="http://schemas.microsoft.com/office/drawing/2014/main" id="{7B7E9844-3755-417B-03D7-7884B8A4800C}"/>
+                <a16:creationId xmlns:a16="http://schemas.microsoft.com/office/drawing/2014/main" id="{DA48CEE0-4330-04DC-BDAD-7781B0ED5834}"/>
               </a:ext>
             </a:extLst>
           </p:cNvPr>
@@ -1115,7 +1115,7 @@
           <p:cNvPr id="4" name="日期占位符 3">
             <a:extLst>
               <a:ext uri="{FF2B5EF4-FFF2-40B4-BE49-F238E27FC236}">
-                <a16:creationId xmlns:a16="http://schemas.microsoft.com/office/drawing/2014/main" id="{59084526-EA20-4F5F-6D04-FCAB1EA0B3C2}"/>
+                <a16:creationId xmlns:a16="http://schemas.microsoft.com/office/drawing/2014/main" id="{7A2FBCAA-736E-C431-0E56-403E5DD61134}"/>
               </a:ext>
             </a:extLst>
           </p:cNvPr>
@@ -1131,7 +1131,7 @@
           <a:bodyPr/>
           <a:lstStyle/>
           <a:p>
-            <a:fld id="{8CCFCD94-F7C1-4245-A357-A8161231CC61}" type="datetimeFigureOut">
+            <a:fld id="{0C624A17-B0C1-4F2D-9723-AF5E869C3E38}" type="datetimeFigureOut">
               <a:rPr lang="zh-CN" altLang="en-US" smtClean="0"/>
               <a:t>2024/3/10</a:t>
             </a:fld>
@@ -1144,7 +1144,7 @@
           <p:cNvPr id="5" name="页脚占位符 4">
             <a:extLst>
               <a:ext uri="{FF2B5EF4-FFF2-40B4-BE49-F238E27FC236}">
-                <a16:creationId xmlns:a16="http://schemas.microsoft.com/office/drawing/2014/main" id="{DDCA1782-5421-3FF9-2C1F-93334CDA3C1F}"/>
+                <a16:creationId xmlns:a16="http://schemas.microsoft.com/office/drawing/2014/main" id="{0AC10DCD-5C20-49BE-FDC8-72A762F3EF43}"/>
               </a:ext>
             </a:extLst>
           </p:cNvPr>
@@ -1169,7 +1169,7 @@
           <p:cNvPr id="6" name="灯片编号占位符 5">
             <a:extLst>
               <a:ext uri="{FF2B5EF4-FFF2-40B4-BE49-F238E27FC236}">
-                <a16:creationId xmlns:a16="http://schemas.microsoft.com/office/drawing/2014/main" id="{FDB3D26D-0F1A-7979-D887-3855ACFC4B8B}"/>
+                <a16:creationId xmlns:a16="http://schemas.microsoft.com/office/drawing/2014/main" id="{0C5E2526-4E92-73AC-76ED-8485F1E02D70}"/>
               </a:ext>
             </a:extLst>
           </p:cNvPr>
@@ -1185,7 +1185,7 @@
           <a:bodyPr/>
           <a:lstStyle/>
           <a:p>
-            <a:fld id="{E5D7707D-D692-4BFC-BCF2-BF1F50179DE2}" type="slidenum">
+            <a:fld id="{F9A77532-140B-4567-B7F5-7362DF523FD5}" type="slidenum">
               <a:rPr lang="zh-CN" altLang="en-US" smtClean="0"/>
               <a:t>‹#›</a:t>
             </a:fld>
@@ -1196,7 +1196,7 @@
     </p:spTree>
     <p:extLst>
       <p:ext uri="{BB962C8B-B14F-4D97-AF65-F5344CB8AC3E}">
-        <p14:creationId xmlns:p14="http://schemas.microsoft.com/office/powerpoint/2010/main" val="996019010"/>
+        <p14:creationId xmlns:p14="http://schemas.microsoft.com/office/powerpoint/2010/main" val="1876453905"/>
       </p:ext>
     </p:extLst>
   </p:cSld>
@@ -1228,7 +1228,7 @@
           <p:cNvPr id="2" name="标题 1">
             <a:extLst>
               <a:ext uri="{FF2B5EF4-FFF2-40B4-BE49-F238E27FC236}">
-                <a16:creationId xmlns:a16="http://schemas.microsoft.com/office/drawing/2014/main" id="{80970856-3C07-3005-D60E-2FBA789FFD9B}"/>
+                <a16:creationId xmlns:a16="http://schemas.microsoft.com/office/drawing/2014/main" id="{DB16F62D-0649-CD1C-5770-55295E69B3F9}"/>
               </a:ext>
             </a:extLst>
           </p:cNvPr>
@@ -1256,7 +1256,7 @@
           <p:cNvPr id="3" name="内容占位符 2">
             <a:extLst>
               <a:ext uri="{FF2B5EF4-FFF2-40B4-BE49-F238E27FC236}">
-                <a16:creationId xmlns:a16="http://schemas.microsoft.com/office/drawing/2014/main" id="{AF2B472E-0EC9-1CAE-BAF2-364C79445244}"/>
+                <a16:creationId xmlns:a16="http://schemas.microsoft.com/office/drawing/2014/main" id="{ECD7A907-C891-4663-9949-5D493A34C2FD}"/>
               </a:ext>
             </a:extLst>
           </p:cNvPr>
@@ -1318,7 +1318,7 @@
           <p:cNvPr id="4" name="内容占位符 3">
             <a:extLst>
               <a:ext uri="{FF2B5EF4-FFF2-40B4-BE49-F238E27FC236}">
-                <a16:creationId xmlns:a16="http://schemas.microsoft.com/office/drawing/2014/main" id="{C00555C2-A0DB-DF81-30F1-155A938BFB9A}"/>
+                <a16:creationId xmlns:a16="http://schemas.microsoft.com/office/drawing/2014/main" id="{92C75EBF-899A-461B-F6EF-66C70C5CBBD0}"/>
               </a:ext>
             </a:extLst>
           </p:cNvPr>
@@ -1380,7 +1380,7 @@
           <p:cNvPr id="5" name="日期占位符 4">
             <a:extLst>
               <a:ext uri="{FF2B5EF4-FFF2-40B4-BE49-F238E27FC236}">
-                <a16:creationId xmlns:a16="http://schemas.microsoft.com/office/drawing/2014/main" id="{B8AC54C3-526C-36FC-08DB-5253A8F5E0D3}"/>
+                <a16:creationId xmlns:a16="http://schemas.microsoft.com/office/drawing/2014/main" id="{BB9ED86A-E594-1032-D9DB-652691642783}"/>
               </a:ext>
             </a:extLst>
           </p:cNvPr>
@@ -1396,7 +1396,7 @@
           <a:bodyPr/>
           <a:lstStyle/>
           <a:p>
-            <a:fld id="{8CCFCD94-F7C1-4245-A357-A8161231CC61}" type="datetimeFigureOut">
+            <a:fld id="{0C624A17-B0C1-4F2D-9723-AF5E869C3E38}" type="datetimeFigureOut">
               <a:rPr lang="zh-CN" altLang="en-US" smtClean="0"/>
               <a:t>2024/3/10</a:t>
             </a:fld>
@@ -1409,7 +1409,7 @@
           <p:cNvPr id="6" name="页脚占位符 5">
             <a:extLst>
               <a:ext uri="{FF2B5EF4-FFF2-40B4-BE49-F238E27FC236}">
-                <a16:creationId xmlns:a16="http://schemas.microsoft.com/office/drawing/2014/main" id="{61BDDA51-EBC7-AE20-DD00-6CC988856ABE}"/>
+                <a16:creationId xmlns:a16="http://schemas.microsoft.com/office/drawing/2014/main" id="{DC092261-9ECB-20C1-B5D0-06032B85B9E3}"/>
               </a:ext>
             </a:extLst>
           </p:cNvPr>
@@ -1434,7 +1434,7 @@
           <p:cNvPr id="7" name="灯片编号占位符 6">
             <a:extLst>
               <a:ext uri="{FF2B5EF4-FFF2-40B4-BE49-F238E27FC236}">
-                <a16:creationId xmlns:a16="http://schemas.microsoft.com/office/drawing/2014/main" id="{56C373C7-DF4A-B3A5-296B-121EA980F6CA}"/>
+                <a16:creationId xmlns:a16="http://schemas.microsoft.com/office/drawing/2014/main" id="{7F4BC638-59F0-236D-0249-B8109DDE3E5C}"/>
               </a:ext>
             </a:extLst>
           </p:cNvPr>
@@ -1450,7 +1450,7 @@
           <a:bodyPr/>
           <a:lstStyle/>
           <a:p>
-            <a:fld id="{E5D7707D-D692-4BFC-BCF2-BF1F50179DE2}" type="slidenum">
+            <a:fld id="{F9A77532-140B-4567-B7F5-7362DF523FD5}" type="slidenum">
               <a:rPr lang="zh-CN" altLang="en-US" smtClean="0"/>
               <a:t>‹#›</a:t>
             </a:fld>
@@ -1461,7 +1461,7 @@
     </p:spTree>
     <p:extLst>
       <p:ext uri="{BB962C8B-B14F-4D97-AF65-F5344CB8AC3E}">
-        <p14:creationId xmlns:p14="http://schemas.microsoft.com/office/powerpoint/2010/main" val="2635981263"/>
+        <p14:creationId xmlns:p14="http://schemas.microsoft.com/office/powerpoint/2010/main" val="3981676648"/>
       </p:ext>
     </p:extLst>
   </p:cSld>
@@ -1493,7 +1493,7 @@
           <p:cNvPr id="2" name="标题 1">
             <a:extLst>
               <a:ext uri="{FF2B5EF4-FFF2-40B4-BE49-F238E27FC236}">
-                <a16:creationId xmlns:a16="http://schemas.microsoft.com/office/drawing/2014/main" id="{924E1E91-736D-81B2-05B2-EA6340BFBDCD}"/>
+                <a16:creationId xmlns:a16="http://schemas.microsoft.com/office/drawing/2014/main" id="{DC721AB6-EAFE-F7C2-3F82-4D6CEF92A5A5}"/>
               </a:ext>
             </a:extLst>
           </p:cNvPr>
@@ -1526,7 +1526,7 @@
           <p:cNvPr id="3" name="文本占位符 2">
             <a:extLst>
               <a:ext uri="{FF2B5EF4-FFF2-40B4-BE49-F238E27FC236}">
-                <a16:creationId xmlns:a16="http://schemas.microsoft.com/office/drawing/2014/main" id="{8E9863BF-3D7D-FCC3-D967-1CEBD9D0AEAA}"/>
+                <a16:creationId xmlns:a16="http://schemas.microsoft.com/office/drawing/2014/main" id="{52ADA3CC-7F59-1C08-DD33-47C551BF2461}"/>
               </a:ext>
             </a:extLst>
           </p:cNvPr>
@@ -1597,7 +1597,7 @@
           <p:cNvPr id="4" name="内容占位符 3">
             <a:extLst>
               <a:ext uri="{FF2B5EF4-FFF2-40B4-BE49-F238E27FC236}">
-                <a16:creationId xmlns:a16="http://schemas.microsoft.com/office/drawing/2014/main" id="{FB247271-CD04-7BE6-706D-8B05EBA474E2}"/>
+                <a16:creationId xmlns:a16="http://schemas.microsoft.com/office/drawing/2014/main" id="{929A455C-A461-DF0B-743F-779BED7BC1F8}"/>
               </a:ext>
             </a:extLst>
           </p:cNvPr>
@@ -1659,7 +1659,7 @@
           <p:cNvPr id="5" name="文本占位符 4">
             <a:extLst>
               <a:ext uri="{FF2B5EF4-FFF2-40B4-BE49-F238E27FC236}">
-                <a16:creationId xmlns:a16="http://schemas.microsoft.com/office/drawing/2014/main" id="{CDE52C2A-18EA-A815-CC52-848C56DD03B0}"/>
+                <a16:creationId xmlns:a16="http://schemas.microsoft.com/office/drawing/2014/main" id="{5FCEB9A3-496F-942D-78CA-C7C28D154BB4}"/>
               </a:ext>
             </a:extLst>
           </p:cNvPr>
@@ -1730,7 +1730,7 @@
           <p:cNvPr id="6" name="内容占位符 5">
             <a:extLst>
               <a:ext uri="{FF2B5EF4-FFF2-40B4-BE49-F238E27FC236}">
-                <a16:creationId xmlns:a16="http://schemas.microsoft.com/office/drawing/2014/main" id="{EDAF0FE7-C797-0F2D-5AB4-32C2A5CA2A94}"/>
+                <a16:creationId xmlns:a16="http://schemas.microsoft.com/office/drawing/2014/main" id="{0F153F67-90EE-56AF-710C-94F01021392D}"/>
               </a:ext>
             </a:extLst>
           </p:cNvPr>
@@ -1792,7 +1792,7 @@
           <p:cNvPr id="7" name="日期占位符 6">
             <a:extLst>
               <a:ext uri="{FF2B5EF4-FFF2-40B4-BE49-F238E27FC236}">
-                <a16:creationId xmlns:a16="http://schemas.microsoft.com/office/drawing/2014/main" id="{94A20C77-506E-0E00-C52F-0A354F8E0E4F}"/>
+                <a16:creationId xmlns:a16="http://schemas.microsoft.com/office/drawing/2014/main" id="{D31B11A6-01E1-7D9D-A695-20846D5FF116}"/>
               </a:ext>
             </a:extLst>
           </p:cNvPr>
@@ -1808,7 +1808,7 @@
           <a:bodyPr/>
           <a:lstStyle/>
           <a:p>
-            <a:fld id="{8CCFCD94-F7C1-4245-A357-A8161231CC61}" type="datetimeFigureOut">
+            <a:fld id="{0C624A17-B0C1-4F2D-9723-AF5E869C3E38}" type="datetimeFigureOut">
               <a:rPr lang="zh-CN" altLang="en-US" smtClean="0"/>
               <a:t>2024/3/10</a:t>
             </a:fld>
@@ -1821,7 +1821,7 @@
           <p:cNvPr id="8" name="页脚占位符 7">
             <a:extLst>
               <a:ext uri="{FF2B5EF4-FFF2-40B4-BE49-F238E27FC236}">
-                <a16:creationId xmlns:a16="http://schemas.microsoft.com/office/drawing/2014/main" id="{BB5179F5-07E3-751B-3F12-F1B2F4F5A940}"/>
+                <a16:creationId xmlns:a16="http://schemas.microsoft.com/office/drawing/2014/main" id="{55339B9B-4907-84C5-A09B-9E3973CA2F69}"/>
               </a:ext>
             </a:extLst>
           </p:cNvPr>
@@ -1846,7 +1846,7 @@
           <p:cNvPr id="9" name="灯片编号占位符 8">
             <a:extLst>
               <a:ext uri="{FF2B5EF4-FFF2-40B4-BE49-F238E27FC236}">
-                <a16:creationId xmlns:a16="http://schemas.microsoft.com/office/drawing/2014/main" id="{0F93616C-316D-BBA7-021F-AB84FA23C5FD}"/>
+                <a16:creationId xmlns:a16="http://schemas.microsoft.com/office/drawing/2014/main" id="{0AF94B66-B738-5622-F213-4D2B895AE8DF}"/>
               </a:ext>
             </a:extLst>
           </p:cNvPr>
@@ -1862,7 +1862,7 @@
           <a:bodyPr/>
           <a:lstStyle/>
           <a:p>
-            <a:fld id="{E5D7707D-D692-4BFC-BCF2-BF1F50179DE2}" type="slidenum">
+            <a:fld id="{F9A77532-140B-4567-B7F5-7362DF523FD5}" type="slidenum">
               <a:rPr lang="zh-CN" altLang="en-US" smtClean="0"/>
               <a:t>‹#›</a:t>
             </a:fld>
@@ -1873,7 +1873,7 @@
     </p:spTree>
     <p:extLst>
       <p:ext uri="{BB962C8B-B14F-4D97-AF65-F5344CB8AC3E}">
-        <p14:creationId xmlns:p14="http://schemas.microsoft.com/office/powerpoint/2010/main" val="3819199828"/>
+        <p14:creationId xmlns:p14="http://schemas.microsoft.com/office/powerpoint/2010/main" val="3646717983"/>
       </p:ext>
     </p:extLst>
   </p:cSld>
@@ -1905,7 +1905,7 @@
           <p:cNvPr id="2" name="标题 1">
             <a:extLst>
               <a:ext uri="{FF2B5EF4-FFF2-40B4-BE49-F238E27FC236}">
-                <a16:creationId xmlns:a16="http://schemas.microsoft.com/office/drawing/2014/main" id="{DE319E02-C0C1-8F85-5E89-6B96A8AE31BC}"/>
+                <a16:creationId xmlns:a16="http://schemas.microsoft.com/office/drawing/2014/main" id="{2022A02C-0010-4874-3B12-815D7C4CBE2C}"/>
               </a:ext>
             </a:extLst>
           </p:cNvPr>
@@ -1933,7 +1933,7 @@
           <p:cNvPr id="3" name="日期占位符 2">
             <a:extLst>
               <a:ext uri="{FF2B5EF4-FFF2-40B4-BE49-F238E27FC236}">
-                <a16:creationId xmlns:a16="http://schemas.microsoft.com/office/drawing/2014/main" id="{B89F491D-E99B-69BC-73A9-A7709C64926B}"/>
+                <a16:creationId xmlns:a16="http://schemas.microsoft.com/office/drawing/2014/main" id="{C6D700EF-6177-C56B-C184-3D076A5F30B1}"/>
               </a:ext>
             </a:extLst>
           </p:cNvPr>
@@ -1949,7 +1949,7 @@
           <a:bodyPr/>
           <a:lstStyle/>
           <a:p>
-            <a:fld id="{8CCFCD94-F7C1-4245-A357-A8161231CC61}" type="datetimeFigureOut">
+            <a:fld id="{0C624A17-B0C1-4F2D-9723-AF5E869C3E38}" type="datetimeFigureOut">
               <a:rPr lang="zh-CN" altLang="en-US" smtClean="0"/>
               <a:t>2024/3/10</a:t>
             </a:fld>
@@ -1962,7 +1962,7 @@
           <p:cNvPr id="4" name="页脚占位符 3">
             <a:extLst>
               <a:ext uri="{FF2B5EF4-FFF2-40B4-BE49-F238E27FC236}">
-                <a16:creationId xmlns:a16="http://schemas.microsoft.com/office/drawing/2014/main" id="{7570E6D0-774F-0683-B83E-A4497F61E40B}"/>
+                <a16:creationId xmlns:a16="http://schemas.microsoft.com/office/drawing/2014/main" id="{9A66A956-E20F-8AC8-CBA9-91AB22DDA077}"/>
               </a:ext>
             </a:extLst>
           </p:cNvPr>
@@ -1987,7 +1987,7 @@
           <p:cNvPr id="5" name="灯片编号占位符 4">
             <a:extLst>
               <a:ext uri="{FF2B5EF4-FFF2-40B4-BE49-F238E27FC236}">
-                <a16:creationId xmlns:a16="http://schemas.microsoft.com/office/drawing/2014/main" id="{027BE3BE-4783-56D5-AC7C-86823A07CC17}"/>
+                <a16:creationId xmlns:a16="http://schemas.microsoft.com/office/drawing/2014/main" id="{F933BBA6-986E-9548-3FF9-3D01E6374BCC}"/>
               </a:ext>
             </a:extLst>
           </p:cNvPr>
@@ -2003,7 +2003,7 @@
           <a:bodyPr/>
           <a:lstStyle/>
           <a:p>
-            <a:fld id="{E5D7707D-D692-4BFC-BCF2-BF1F50179DE2}" type="slidenum">
+            <a:fld id="{F9A77532-140B-4567-B7F5-7362DF523FD5}" type="slidenum">
               <a:rPr lang="zh-CN" altLang="en-US" smtClean="0"/>
               <a:t>‹#›</a:t>
             </a:fld>
@@ -2014,7 +2014,7 @@
     </p:spTree>
     <p:extLst>
       <p:ext uri="{BB962C8B-B14F-4D97-AF65-F5344CB8AC3E}">
-        <p14:creationId xmlns:p14="http://schemas.microsoft.com/office/powerpoint/2010/main" val="1810478449"/>
+        <p14:creationId xmlns:p14="http://schemas.microsoft.com/office/powerpoint/2010/main" val="2408907330"/>
       </p:ext>
     </p:extLst>
   </p:cSld>
@@ -2046,7 +2046,7 @@
           <p:cNvPr id="2" name="日期占位符 1">
             <a:extLst>
               <a:ext uri="{FF2B5EF4-FFF2-40B4-BE49-F238E27FC236}">
-                <a16:creationId xmlns:a16="http://schemas.microsoft.com/office/drawing/2014/main" id="{5D6099FB-6A91-6997-36C7-9A0FA74E6B75}"/>
+                <a16:creationId xmlns:a16="http://schemas.microsoft.com/office/drawing/2014/main" id="{E2398742-C734-72F6-228B-6AC706A57809}"/>
               </a:ext>
             </a:extLst>
           </p:cNvPr>
@@ -2062,7 +2062,7 @@
           <a:bodyPr/>
           <a:lstStyle/>
           <a:p>
-            <a:fld id="{8CCFCD94-F7C1-4245-A357-A8161231CC61}" type="datetimeFigureOut">
+            <a:fld id="{0C624A17-B0C1-4F2D-9723-AF5E869C3E38}" type="datetimeFigureOut">
               <a:rPr lang="zh-CN" altLang="en-US" smtClean="0"/>
               <a:t>2024/3/10</a:t>
             </a:fld>
@@ -2075,7 +2075,7 @@
           <p:cNvPr id="3" name="页脚占位符 2">
             <a:extLst>
               <a:ext uri="{FF2B5EF4-FFF2-40B4-BE49-F238E27FC236}">
-                <a16:creationId xmlns:a16="http://schemas.microsoft.com/office/drawing/2014/main" id="{5ECCB9C2-641D-88BD-4A59-B9490DF22501}"/>
+                <a16:creationId xmlns:a16="http://schemas.microsoft.com/office/drawing/2014/main" id="{14499778-96CF-747F-FB74-01E088FB2F67}"/>
               </a:ext>
             </a:extLst>
           </p:cNvPr>
@@ -2100,7 +2100,7 @@
           <p:cNvPr id="4" name="灯片编号占位符 3">
             <a:extLst>
               <a:ext uri="{FF2B5EF4-FFF2-40B4-BE49-F238E27FC236}">
-                <a16:creationId xmlns:a16="http://schemas.microsoft.com/office/drawing/2014/main" id="{187369DE-96CA-703B-7264-6C19162025F6}"/>
+                <a16:creationId xmlns:a16="http://schemas.microsoft.com/office/drawing/2014/main" id="{134E7AAF-6373-06E5-5334-A084CB8C414C}"/>
               </a:ext>
             </a:extLst>
           </p:cNvPr>
@@ -2116,7 +2116,7 @@
           <a:bodyPr/>
           <a:lstStyle/>
           <a:p>
-            <a:fld id="{E5D7707D-D692-4BFC-BCF2-BF1F50179DE2}" type="slidenum">
+            <a:fld id="{F9A77532-140B-4567-B7F5-7362DF523FD5}" type="slidenum">
               <a:rPr lang="zh-CN" altLang="en-US" smtClean="0"/>
               <a:t>‹#›</a:t>
             </a:fld>
@@ -2127,7 +2127,7 @@
     </p:spTree>
     <p:extLst>
       <p:ext uri="{BB962C8B-B14F-4D97-AF65-F5344CB8AC3E}">
-        <p14:creationId xmlns:p14="http://schemas.microsoft.com/office/powerpoint/2010/main" val="1024793389"/>
+        <p14:creationId xmlns:p14="http://schemas.microsoft.com/office/powerpoint/2010/main" val="1633255334"/>
       </p:ext>
     </p:extLst>
   </p:cSld>
@@ -2159,7 +2159,7 @@
           <p:cNvPr id="2" name="标题 1">
             <a:extLst>
               <a:ext uri="{FF2B5EF4-FFF2-40B4-BE49-F238E27FC236}">
-                <a16:creationId xmlns:a16="http://schemas.microsoft.com/office/drawing/2014/main" id="{6FA45F55-B7EC-4047-C381-77C57F7A5B60}"/>
+                <a16:creationId xmlns:a16="http://schemas.microsoft.com/office/drawing/2014/main" id="{11DFD12F-0473-1E89-E9CC-384B64440E0D}"/>
               </a:ext>
             </a:extLst>
           </p:cNvPr>
@@ -2196,7 +2196,7 @@
           <p:cNvPr id="3" name="内容占位符 2">
             <a:extLst>
               <a:ext uri="{FF2B5EF4-FFF2-40B4-BE49-F238E27FC236}">
-                <a16:creationId xmlns:a16="http://schemas.microsoft.com/office/drawing/2014/main" id="{E9F8A7AB-E8CF-1030-0653-2FAC82269066}"/>
+                <a16:creationId xmlns:a16="http://schemas.microsoft.com/office/drawing/2014/main" id="{35CD72C8-4597-75B3-5C24-1ADF84637AD8}"/>
               </a:ext>
             </a:extLst>
           </p:cNvPr>
@@ -2286,7 +2286,7 @@
           <p:cNvPr id="4" name="文本占位符 3">
             <a:extLst>
               <a:ext uri="{FF2B5EF4-FFF2-40B4-BE49-F238E27FC236}">
-                <a16:creationId xmlns:a16="http://schemas.microsoft.com/office/drawing/2014/main" id="{D5839BD4-2348-86F7-6100-ABFF2BBC475F}"/>
+                <a16:creationId xmlns:a16="http://schemas.microsoft.com/office/drawing/2014/main" id="{E29C2BFE-4A2A-E275-CF3A-1763DFDB69CA}"/>
               </a:ext>
             </a:extLst>
           </p:cNvPr>
@@ -2357,7 +2357,7 @@
           <p:cNvPr id="5" name="日期占位符 4">
             <a:extLst>
               <a:ext uri="{FF2B5EF4-FFF2-40B4-BE49-F238E27FC236}">
-                <a16:creationId xmlns:a16="http://schemas.microsoft.com/office/drawing/2014/main" id="{9C7050C3-F39F-E77C-9142-F55729A320BD}"/>
+                <a16:creationId xmlns:a16="http://schemas.microsoft.com/office/drawing/2014/main" id="{C0F9901D-AA7A-AF1D-2AB8-0365AE5506F8}"/>
               </a:ext>
             </a:extLst>
           </p:cNvPr>
@@ -2373,7 +2373,7 @@
           <a:bodyPr/>
           <a:lstStyle/>
           <a:p>
-            <a:fld id="{8CCFCD94-F7C1-4245-A357-A8161231CC61}" type="datetimeFigureOut">
+            <a:fld id="{0C624A17-B0C1-4F2D-9723-AF5E869C3E38}" type="datetimeFigureOut">
               <a:rPr lang="zh-CN" altLang="en-US" smtClean="0"/>
               <a:t>2024/3/10</a:t>
             </a:fld>
@@ -2386,7 +2386,7 @@
           <p:cNvPr id="6" name="页脚占位符 5">
             <a:extLst>
               <a:ext uri="{FF2B5EF4-FFF2-40B4-BE49-F238E27FC236}">
-                <a16:creationId xmlns:a16="http://schemas.microsoft.com/office/drawing/2014/main" id="{6B3F6D97-1182-FB11-6AD6-0E0331D33334}"/>
+                <a16:creationId xmlns:a16="http://schemas.microsoft.com/office/drawing/2014/main" id="{0B884002-6CC0-628E-B7EC-02ED644F55B7}"/>
               </a:ext>
             </a:extLst>
           </p:cNvPr>
@@ -2411,7 +2411,7 @@
           <p:cNvPr id="7" name="灯片编号占位符 6">
             <a:extLst>
               <a:ext uri="{FF2B5EF4-FFF2-40B4-BE49-F238E27FC236}">
-                <a16:creationId xmlns:a16="http://schemas.microsoft.com/office/drawing/2014/main" id="{54EE3438-8C4B-5F92-7FE2-D82DE9881EE1}"/>
+                <a16:creationId xmlns:a16="http://schemas.microsoft.com/office/drawing/2014/main" id="{92FECE12-28AA-6206-C8CB-623E3D37CF90}"/>
               </a:ext>
             </a:extLst>
           </p:cNvPr>
@@ -2427,7 +2427,7 @@
           <a:bodyPr/>
           <a:lstStyle/>
           <a:p>
-            <a:fld id="{E5D7707D-D692-4BFC-BCF2-BF1F50179DE2}" type="slidenum">
+            <a:fld id="{F9A77532-140B-4567-B7F5-7362DF523FD5}" type="slidenum">
               <a:rPr lang="zh-CN" altLang="en-US" smtClean="0"/>
               <a:t>‹#›</a:t>
             </a:fld>
@@ -2438,7 +2438,7 @@
     </p:spTree>
     <p:extLst>
       <p:ext uri="{BB962C8B-B14F-4D97-AF65-F5344CB8AC3E}">
-        <p14:creationId xmlns:p14="http://schemas.microsoft.com/office/powerpoint/2010/main" val="1775148805"/>
+        <p14:creationId xmlns:p14="http://schemas.microsoft.com/office/powerpoint/2010/main" val="3654669265"/>
       </p:ext>
     </p:extLst>
   </p:cSld>
@@ -2470,7 +2470,7 @@
           <p:cNvPr id="2" name="标题 1">
             <a:extLst>
               <a:ext uri="{FF2B5EF4-FFF2-40B4-BE49-F238E27FC236}">
-                <a16:creationId xmlns:a16="http://schemas.microsoft.com/office/drawing/2014/main" id="{19566119-9005-5D71-01A7-FD3BA57D45E1}"/>
+                <a16:creationId xmlns:a16="http://schemas.microsoft.com/office/drawing/2014/main" id="{1EA4B752-D6DA-AE6E-0587-FDCE8051FECC}"/>
               </a:ext>
             </a:extLst>
           </p:cNvPr>
@@ -2507,7 +2507,7 @@
           <p:cNvPr id="3" name="图片占位符 2">
             <a:extLst>
               <a:ext uri="{FF2B5EF4-FFF2-40B4-BE49-F238E27FC236}">
-                <a16:creationId xmlns:a16="http://schemas.microsoft.com/office/drawing/2014/main" id="{F4B240E8-E4A9-A926-7854-F3C0C7413DBD}"/>
+                <a16:creationId xmlns:a16="http://schemas.microsoft.com/office/drawing/2014/main" id="{77512C1A-90A6-5893-A9DC-FCC4E4C3A095}"/>
               </a:ext>
             </a:extLst>
           </p:cNvPr>
@@ -2574,7 +2574,7 @@
           <p:cNvPr id="4" name="文本占位符 3">
             <a:extLst>
               <a:ext uri="{FF2B5EF4-FFF2-40B4-BE49-F238E27FC236}">
-                <a16:creationId xmlns:a16="http://schemas.microsoft.com/office/drawing/2014/main" id="{F50261BA-EF2E-BC6C-A60E-037189BD35BD}"/>
+                <a16:creationId xmlns:a16="http://schemas.microsoft.com/office/drawing/2014/main" id="{5E2CCC0C-52D1-195F-8248-1B2EC76EDF6C}"/>
               </a:ext>
             </a:extLst>
           </p:cNvPr>
@@ -2645,7 +2645,7 @@
           <p:cNvPr id="5" name="日期占位符 4">
             <a:extLst>
               <a:ext uri="{FF2B5EF4-FFF2-40B4-BE49-F238E27FC236}">
-                <a16:creationId xmlns:a16="http://schemas.microsoft.com/office/drawing/2014/main" id="{7D4EFA54-1397-8577-4ECB-8922002F311E}"/>
+                <a16:creationId xmlns:a16="http://schemas.microsoft.com/office/drawing/2014/main" id="{17F84815-2FBF-D303-BA28-B4C089EE9C29}"/>
               </a:ext>
             </a:extLst>
           </p:cNvPr>
@@ -2661,7 +2661,7 @@
           <a:bodyPr/>
           <a:lstStyle/>
           <a:p>
-            <a:fld id="{8CCFCD94-F7C1-4245-A357-A8161231CC61}" type="datetimeFigureOut">
+            <a:fld id="{0C624A17-B0C1-4F2D-9723-AF5E869C3E38}" type="datetimeFigureOut">
               <a:rPr lang="zh-CN" altLang="en-US" smtClean="0"/>
               <a:t>2024/3/10</a:t>
             </a:fld>
@@ -2674,7 +2674,7 @@
           <p:cNvPr id="6" name="页脚占位符 5">
             <a:extLst>
               <a:ext uri="{FF2B5EF4-FFF2-40B4-BE49-F238E27FC236}">
-                <a16:creationId xmlns:a16="http://schemas.microsoft.com/office/drawing/2014/main" id="{1AF79E59-3A4A-45C6-EBE4-592A87C089D1}"/>
+                <a16:creationId xmlns:a16="http://schemas.microsoft.com/office/drawing/2014/main" id="{D2E1FAB8-6637-D4DC-CD89-8CC672B7B579}"/>
               </a:ext>
             </a:extLst>
           </p:cNvPr>
@@ -2699,7 +2699,7 @@
           <p:cNvPr id="7" name="灯片编号占位符 6">
             <a:extLst>
               <a:ext uri="{FF2B5EF4-FFF2-40B4-BE49-F238E27FC236}">
-                <a16:creationId xmlns:a16="http://schemas.microsoft.com/office/drawing/2014/main" id="{7B64E9DF-E23F-328D-9BA0-14CEF85FFA52}"/>
+                <a16:creationId xmlns:a16="http://schemas.microsoft.com/office/drawing/2014/main" id="{73C84500-E590-94FE-446E-0890E454E624}"/>
               </a:ext>
             </a:extLst>
           </p:cNvPr>
@@ -2715,7 +2715,7 @@
           <a:bodyPr/>
           <a:lstStyle/>
           <a:p>
-            <a:fld id="{E5D7707D-D692-4BFC-BCF2-BF1F50179DE2}" type="slidenum">
+            <a:fld id="{F9A77532-140B-4567-B7F5-7362DF523FD5}" type="slidenum">
               <a:rPr lang="zh-CN" altLang="en-US" smtClean="0"/>
               <a:t>‹#›</a:t>
             </a:fld>
@@ -2726,7 +2726,7 @@
     </p:spTree>
     <p:extLst>
       <p:ext uri="{BB962C8B-B14F-4D97-AF65-F5344CB8AC3E}">
-        <p14:creationId xmlns:p14="http://schemas.microsoft.com/office/powerpoint/2010/main" val="2608088424"/>
+        <p14:creationId xmlns:p14="http://schemas.microsoft.com/office/powerpoint/2010/main" val="2545071909"/>
       </p:ext>
     </p:extLst>
   </p:cSld>
@@ -2763,7 +2763,7 @@
           <p:cNvPr id="2" name="标题占位符 1">
             <a:extLst>
               <a:ext uri="{FF2B5EF4-FFF2-40B4-BE49-F238E27FC236}">
-                <a16:creationId xmlns:a16="http://schemas.microsoft.com/office/drawing/2014/main" id="{EA9A5540-6F3E-EBF7-EF23-A76798C029AF}"/>
+                <a16:creationId xmlns:a16="http://schemas.microsoft.com/office/drawing/2014/main" id="{01A3EF17-8252-9117-474B-C2A8986D9A9B}"/>
               </a:ext>
             </a:extLst>
           </p:cNvPr>
@@ -2801,7 +2801,7 @@
           <p:cNvPr id="3" name="文本占位符 2">
             <a:extLst>
               <a:ext uri="{FF2B5EF4-FFF2-40B4-BE49-F238E27FC236}">
-                <a16:creationId xmlns:a16="http://schemas.microsoft.com/office/drawing/2014/main" id="{F1919708-6976-7810-530C-AC999414798C}"/>
+                <a16:creationId xmlns:a16="http://schemas.microsoft.com/office/drawing/2014/main" id="{220F487B-7D84-4B7F-A42A-A7D25644BF06}"/>
               </a:ext>
             </a:extLst>
           </p:cNvPr>
@@ -2868,7 +2868,7 @@
           <p:cNvPr id="4" name="日期占位符 3">
             <a:extLst>
               <a:ext uri="{FF2B5EF4-FFF2-40B4-BE49-F238E27FC236}">
-                <a16:creationId xmlns:a16="http://schemas.microsoft.com/office/drawing/2014/main" id="{9AE75002-4418-92A6-FD8D-FB64B232773D}"/>
+                <a16:creationId xmlns:a16="http://schemas.microsoft.com/office/drawing/2014/main" id="{CA6AD96A-23D0-3368-A86E-620711016721}"/>
               </a:ext>
             </a:extLst>
           </p:cNvPr>
@@ -2902,7 +2902,7 @@
             </a:lvl1pPr>
           </a:lstStyle>
           <a:p>
-            <a:fld id="{8CCFCD94-F7C1-4245-A357-A8161231CC61}" type="datetimeFigureOut">
+            <a:fld id="{0C624A17-B0C1-4F2D-9723-AF5E869C3E38}" type="datetimeFigureOut">
               <a:rPr lang="zh-CN" altLang="en-US" smtClean="0"/>
               <a:t>2024/3/10</a:t>
             </a:fld>
@@ -2915,7 +2915,7 @@
           <p:cNvPr id="5" name="页脚占位符 4">
             <a:extLst>
               <a:ext uri="{FF2B5EF4-FFF2-40B4-BE49-F238E27FC236}">
-                <a16:creationId xmlns:a16="http://schemas.microsoft.com/office/drawing/2014/main" id="{B0412A2F-00F9-AC04-0CBA-E7DF531F5DA7}"/>
+                <a16:creationId xmlns:a16="http://schemas.microsoft.com/office/drawing/2014/main" id="{2EB7B184-FA68-CF96-8CB3-23AACABF1203}"/>
               </a:ext>
             </a:extLst>
           </p:cNvPr>
@@ -2958,7 +2958,7 @@
           <p:cNvPr id="6" name="灯片编号占位符 5">
             <a:extLst>
               <a:ext uri="{FF2B5EF4-FFF2-40B4-BE49-F238E27FC236}">
-                <a16:creationId xmlns:a16="http://schemas.microsoft.com/office/drawing/2014/main" id="{AE86E7B9-F560-092E-890B-09CB6F8F97F5}"/>
+                <a16:creationId xmlns:a16="http://schemas.microsoft.com/office/drawing/2014/main" id="{32C2066E-B2E6-DB60-A01B-7D452FE69297}"/>
               </a:ext>
             </a:extLst>
           </p:cNvPr>
@@ -2992,7 +2992,7 @@
             </a:lvl1pPr>
           </a:lstStyle>
           <a:p>
-            <a:fld id="{E5D7707D-D692-4BFC-BCF2-BF1F50179DE2}" type="slidenum">
+            <a:fld id="{F9A77532-140B-4567-B7F5-7362DF523FD5}" type="slidenum">
               <a:rPr lang="zh-CN" altLang="en-US" smtClean="0"/>
               <a:t>‹#›</a:t>
             </a:fld>
@@ -3003,7 +3003,7 @@
     </p:spTree>
     <p:extLst>
       <p:ext uri="{BB962C8B-B14F-4D97-AF65-F5344CB8AC3E}">
-        <p14:creationId xmlns:p14="http://schemas.microsoft.com/office/powerpoint/2010/main" val="1774368951"/>
+        <p14:creationId xmlns:p14="http://schemas.microsoft.com/office/powerpoint/2010/main" val="4162143664"/>
       </p:ext>
     </p:extLst>
   </p:cSld>
@@ -3323,7 +3323,7 @@
       </p:grpSpPr>
       <p:pic>
         <p:nvPicPr>
-          <p:cNvPr id="1641474" name="Picture 2" descr="1602"/>
+          <p:cNvPr id="1642498" name="Picture 2" descr="1603"/>
           <p:cNvPicPr>
             <a:picLocks noChangeAspect="1" noChangeArrowheads="1"/>
           </p:cNvPicPr>
@@ -3344,8 +3344,8 @@
         </p:blipFill>
         <p:spPr bwMode="auto">
           <a:xfrm>
-            <a:off x="1524000" y="0"/>
-            <a:ext cx="9144000" cy="6858000"/>
+            <a:off x="1524001" y="0"/>
+            <a:ext cx="9053513" cy="6789738"/>
           </a:xfrm>
           <a:prstGeom prst="rect">
             <a:avLst/>
